--- a/課題研究/2014/吉野 聡志/ポスター.pptx
+++ b/課題研究/2014/吉野 聡志/ポスター.pptx
@@ -208,7 +208,7 @@
           <a:p>
             <a:fld id="{1A938606-359E-445A-ACAE-86187DEA9A4B}" type="datetimeFigureOut">
               <a:rPr kumimoji="1" lang="ja-JP" altLang="en-US" smtClean="0"/>
-              <a:t>2014/12/16</a:t>
+              <a:t>2014/12/18</a:t>
             </a:fld>
             <a:endParaRPr kumimoji="1" lang="ja-JP" altLang="en-US"/>
           </a:p>
@@ -778,7 +778,7 @@
           <a:p>
             <a:fld id="{7128325F-7ED4-4913-BC8A-90D734B46FD2}" type="datetimeFigureOut">
               <a:rPr kumimoji="1" lang="ja-JP" altLang="en-US" smtClean="0"/>
-              <a:t>2014/12/16</a:t>
+              <a:t>2014/12/18</a:t>
             </a:fld>
             <a:endParaRPr kumimoji="1" lang="ja-JP" altLang="en-US"/>
           </a:p>
@@ -1053,7 +1053,7 @@
           <a:p>
             <a:fld id="{7128325F-7ED4-4913-BC8A-90D734B46FD2}" type="datetimeFigureOut">
               <a:rPr kumimoji="1" lang="ja-JP" altLang="en-US" smtClean="0"/>
-              <a:t>2014/12/16</a:t>
+              <a:t>2014/12/18</a:t>
             </a:fld>
             <a:endParaRPr kumimoji="1" lang="ja-JP" altLang="en-US"/>
           </a:p>
@@ -1247,7 +1247,7 @@
           <a:p>
             <a:fld id="{7128325F-7ED4-4913-BC8A-90D734B46FD2}" type="datetimeFigureOut">
               <a:rPr kumimoji="1" lang="ja-JP" altLang="en-US" smtClean="0"/>
-              <a:t>2014/12/16</a:t>
+              <a:t>2014/12/18</a:t>
             </a:fld>
             <a:endParaRPr kumimoji="1" lang="ja-JP" altLang="en-US"/>
           </a:p>
@@ -1520,7 +1520,7 @@
           <a:p>
             <a:fld id="{7128325F-7ED4-4913-BC8A-90D734B46FD2}" type="datetimeFigureOut">
               <a:rPr kumimoji="1" lang="ja-JP" altLang="en-US" smtClean="0"/>
-              <a:t>2014/12/16</a:t>
+              <a:t>2014/12/18</a:t>
             </a:fld>
             <a:endParaRPr kumimoji="1" lang="ja-JP" altLang="en-US"/>
           </a:p>
@@ -1861,7 +1861,7 @@
           <a:p>
             <a:fld id="{7128325F-7ED4-4913-BC8A-90D734B46FD2}" type="datetimeFigureOut">
               <a:rPr kumimoji="1" lang="ja-JP" altLang="en-US" smtClean="0"/>
-              <a:t>2014/12/16</a:t>
+              <a:t>2014/12/18</a:t>
             </a:fld>
             <a:endParaRPr kumimoji="1" lang="ja-JP" altLang="en-US"/>
           </a:p>
@@ -2484,7 +2484,7 @@
           <a:p>
             <a:fld id="{7128325F-7ED4-4913-BC8A-90D734B46FD2}" type="datetimeFigureOut">
               <a:rPr kumimoji="1" lang="ja-JP" altLang="en-US" smtClean="0"/>
-              <a:t>2014/12/16</a:t>
+              <a:t>2014/12/18</a:t>
             </a:fld>
             <a:endParaRPr kumimoji="1" lang="ja-JP" altLang="en-US"/>
           </a:p>
@@ -3344,7 +3344,7 @@
           <a:p>
             <a:fld id="{7128325F-7ED4-4913-BC8A-90D734B46FD2}" type="datetimeFigureOut">
               <a:rPr kumimoji="1" lang="ja-JP" altLang="en-US" smtClean="0"/>
-              <a:t>2014/12/16</a:t>
+              <a:t>2014/12/18</a:t>
             </a:fld>
             <a:endParaRPr kumimoji="1" lang="ja-JP" altLang="en-US"/>
           </a:p>
@@ -3546,7 +3546,7 @@
           <a:p>
             <a:fld id="{7128325F-7ED4-4913-BC8A-90D734B46FD2}" type="datetimeFigureOut">
               <a:rPr kumimoji="1" lang="ja-JP" altLang="en-US" smtClean="0"/>
-              <a:t>2014/12/16</a:t>
+              <a:t>2014/12/18</a:t>
             </a:fld>
             <a:endParaRPr kumimoji="1" lang="ja-JP" altLang="en-US"/>
           </a:p>
@@ -3758,7 +3758,7 @@
           <a:p>
             <a:fld id="{7128325F-7ED4-4913-BC8A-90D734B46FD2}" type="datetimeFigureOut">
               <a:rPr kumimoji="1" lang="ja-JP" altLang="en-US" smtClean="0"/>
-              <a:t>2014/12/16</a:t>
+              <a:t>2014/12/18</a:t>
             </a:fld>
             <a:endParaRPr kumimoji="1" lang="ja-JP" altLang="en-US"/>
           </a:p>
@@ -3960,7 +3960,7 @@
           <a:p>
             <a:fld id="{7128325F-7ED4-4913-BC8A-90D734B46FD2}" type="datetimeFigureOut">
               <a:rPr kumimoji="1" lang="ja-JP" altLang="en-US" smtClean="0"/>
-              <a:t>2014/12/16</a:t>
+              <a:t>2014/12/18</a:t>
             </a:fld>
             <a:endParaRPr kumimoji="1" lang="ja-JP" altLang="en-US"/>
           </a:p>
@@ -4207,7 +4207,7 @@
           <a:p>
             <a:fld id="{7128325F-7ED4-4913-BC8A-90D734B46FD2}" type="datetimeFigureOut">
               <a:rPr kumimoji="1" lang="ja-JP" altLang="en-US" smtClean="0"/>
-              <a:t>2014/12/16</a:t>
+              <a:t>2014/12/18</a:t>
             </a:fld>
             <a:endParaRPr kumimoji="1" lang="ja-JP" altLang="en-US"/>
           </a:p>
@@ -4563,7 +4563,7 @@
           <a:p>
             <a:fld id="{7128325F-7ED4-4913-BC8A-90D734B46FD2}" type="datetimeFigureOut">
               <a:rPr kumimoji="1" lang="ja-JP" altLang="en-US" smtClean="0"/>
-              <a:t>2014/12/16</a:t>
+              <a:t>2014/12/18</a:t>
             </a:fld>
             <a:endParaRPr kumimoji="1" lang="ja-JP" altLang="en-US"/>
           </a:p>
@@ -5071,7 +5071,7 @@
           <a:p>
             <a:fld id="{7128325F-7ED4-4913-BC8A-90D734B46FD2}" type="datetimeFigureOut">
               <a:rPr kumimoji="1" lang="ja-JP" altLang="en-US" smtClean="0"/>
-              <a:t>2014/12/16</a:t>
+              <a:t>2014/12/18</a:t>
             </a:fld>
             <a:endParaRPr kumimoji="1" lang="ja-JP" altLang="en-US"/>
           </a:p>
@@ -5189,7 +5189,7 @@
           <a:p>
             <a:fld id="{7128325F-7ED4-4913-BC8A-90D734B46FD2}" type="datetimeFigureOut">
               <a:rPr kumimoji="1" lang="ja-JP" altLang="en-US" smtClean="0"/>
-              <a:t>2014/12/16</a:t>
+              <a:t>2014/12/18</a:t>
             </a:fld>
             <a:endParaRPr kumimoji="1" lang="ja-JP" altLang="en-US"/>
           </a:p>
@@ -5284,7 +5284,7 @@
           <a:p>
             <a:fld id="{7128325F-7ED4-4913-BC8A-90D734B46FD2}" type="datetimeFigureOut">
               <a:rPr kumimoji="1" lang="ja-JP" altLang="en-US" smtClean="0"/>
-              <a:t>2014/12/16</a:t>
+              <a:t>2014/12/18</a:t>
             </a:fld>
             <a:endParaRPr kumimoji="1" lang="ja-JP" altLang="en-US"/>
           </a:p>
@@ -5595,7 +5595,7 @@
           <a:p>
             <a:fld id="{7128325F-7ED4-4913-BC8A-90D734B46FD2}" type="datetimeFigureOut">
               <a:rPr kumimoji="1" lang="ja-JP" altLang="en-US" smtClean="0"/>
-              <a:t>2014/12/16</a:t>
+              <a:t>2014/12/18</a:t>
             </a:fld>
             <a:endParaRPr kumimoji="1" lang="ja-JP" altLang="en-US"/>
           </a:p>
@@ -5870,7 +5870,7 @@
           <a:p>
             <a:fld id="{7128325F-7ED4-4913-BC8A-90D734B46FD2}" type="datetimeFigureOut">
               <a:rPr kumimoji="1" lang="ja-JP" altLang="en-US" smtClean="0"/>
-              <a:t>2014/12/16</a:t>
+              <a:t>2014/12/18</a:t>
             </a:fld>
             <a:endParaRPr kumimoji="1" lang="ja-JP" altLang="en-US"/>
           </a:p>
@@ -6467,7 +6467,7 @@
           <a:p>
             <a:fld id="{7128325F-7ED4-4913-BC8A-90D734B46FD2}" type="datetimeFigureOut">
               <a:rPr kumimoji="1" lang="ja-JP" altLang="en-US" smtClean="0"/>
-              <a:t>2014/12/16</a:t>
+              <a:t>2014/12/18</a:t>
             </a:fld>
             <a:endParaRPr kumimoji="1" lang="ja-JP" altLang="en-US"/>
           </a:p>
@@ -6979,8 +6979,16 @@
 </file>
 
 <file path=ppt/slides/slide1.xml><?xml version="1.0" encoding="utf-8"?>
-<p:sld xmlns:a="http://schemas.openxmlformats.org/drawingml/2006/main" xmlns:r="http://schemas.openxmlformats.org/officeDocument/2006/relationships" xmlns:p="http://schemas.openxmlformats.org/presentationml/2006/main">
+<p:sld xmlns:a="http://schemas.openxmlformats.org/drawingml/2006/main" xmlns:r="http://schemas.openxmlformats.org/officeDocument/2006/relationships" xmlns:p="http://schemas.openxmlformats.org/presentationml/2006/main" showMasterSp="0">
   <p:cSld>
+    <p:bg>
+      <p:bgPr>
+        <a:solidFill>
+          <a:schemeClr val="tx1"/>
+        </a:solidFill>
+        <a:effectLst/>
+      </p:bgPr>
+    </p:bg>
     <p:spTree>
       <p:nvGrpSpPr>
         <p:cNvPr id="1" name=""/>
@@ -7004,7 +7012,7 @@
         <p:spPr>
           <a:xfrm>
             <a:off x="1188344" y="954411"/>
-            <a:ext cx="18182232" cy="3046988"/>
+            <a:ext cx="19010112" cy="3046988"/>
           </a:xfrm>
           <a:prstGeom prst="rect">
             <a:avLst/>
@@ -7017,19 +7025,52 @@
           </a:bodyPr>
           <a:lstStyle/>
           <a:p>
-            <a:r>
-              <a:rPr kumimoji="1" lang="ja-JP" altLang="en-US" sz="9600" dirty="0" smtClean="0"/>
-              <a:t>クラウドファンディングの</a:t>
-            </a:r>
-            <a:r>
-              <a:rPr kumimoji="1" lang="en-US" altLang="ja-JP" sz="9600" dirty="0" smtClean="0"/>
+            <a:pPr algn="ctr"/>
+            <a:r>
+              <a:rPr kumimoji="1" lang="ja-JP" altLang="en-US" sz="9600" dirty="0" smtClean="0">
+                <a:solidFill>
+                  <a:srgbClr val="000000"/>
+                </a:solidFill>
+              </a:rPr>
+              <a:t>クラウドファンディング</a:t>
+            </a:r>
+            <a:r>
+              <a:rPr lang="ja-JP" altLang="en-US" sz="9600" dirty="0" smtClean="0">
+                <a:solidFill>
+                  <a:srgbClr val="000000"/>
+                </a:solidFill>
+              </a:rPr>
+              <a:t>において</a:t>
+            </a:r>
+            <a:r>
+              <a:rPr lang="en-US" altLang="ja-JP" sz="9600" dirty="0" smtClean="0">
+                <a:solidFill>
+                  <a:srgbClr val="000000"/>
+                </a:solidFill>
+              </a:rPr>
               <a:t>Twitter</a:t>
             </a:r>
             <a:r>
-              <a:rPr kumimoji="1" lang="ja-JP" altLang="en-US" sz="9600" dirty="0" smtClean="0"/>
-              <a:t>利用による成否の調査</a:t>
-            </a:r>
-            <a:endParaRPr kumimoji="1" lang="ja-JP" altLang="en-US" sz="9600" dirty="0"/>
+              <a:rPr lang="ja-JP" altLang="en-US" sz="9600" dirty="0" smtClean="0">
+                <a:solidFill>
+                  <a:srgbClr val="000000"/>
+                </a:solidFill>
+              </a:rPr>
+              <a:t>が果たす役割の</a:t>
+            </a:r>
+            <a:r>
+              <a:rPr kumimoji="1" lang="ja-JP" altLang="en-US" sz="9600" dirty="0" smtClean="0">
+                <a:solidFill>
+                  <a:srgbClr val="000000"/>
+                </a:solidFill>
+              </a:rPr>
+              <a:t>調査</a:t>
+            </a:r>
+            <a:endParaRPr kumimoji="1" lang="ja-JP" altLang="en-US" sz="9600" dirty="0">
+              <a:solidFill>
+                <a:srgbClr val="000000"/>
+              </a:solidFill>
+            </a:endParaRPr>
           </a:p>
         </p:txBody>
       </p:sp>
@@ -7041,7 +7082,7 @@
         </p:nvSpPr>
         <p:spPr>
           <a:xfrm>
-            <a:off x="2052440" y="4001399"/>
+            <a:off x="3239902" y="4001399"/>
             <a:ext cx="14906996" cy="923330"/>
           </a:xfrm>
           <a:prstGeom prst="rect">
@@ -7056,22 +7097,42 @@
           <a:lstStyle/>
           <a:p>
             <a:r>
-              <a:rPr kumimoji="1" lang="en-US" altLang="ja-JP" sz="5400" dirty="0" smtClean="0"/>
+              <a:rPr kumimoji="1" lang="en-US" altLang="ja-JP" sz="5400" dirty="0" smtClean="0">
+                <a:solidFill>
+                  <a:srgbClr val="000000"/>
+                </a:solidFill>
+              </a:rPr>
               <a:t>PM</a:t>
             </a:r>
             <a:r>
-              <a:rPr kumimoji="1" lang="ja-JP" altLang="en-US" sz="5400" dirty="0" smtClean="0"/>
+              <a:rPr kumimoji="1" lang="ja-JP" altLang="en-US" sz="5400" dirty="0" smtClean="0">
+                <a:solidFill>
+                  <a:srgbClr val="000000"/>
+                </a:solidFill>
+              </a:rPr>
               <a:t>コース　矢吹研究室　</a:t>
             </a:r>
             <a:r>
-              <a:rPr kumimoji="1" lang="en-US" altLang="ja-JP" sz="5400" dirty="0" smtClean="0"/>
+              <a:rPr kumimoji="1" lang="en-US" altLang="ja-JP" sz="5400" dirty="0" smtClean="0">
+                <a:solidFill>
+                  <a:srgbClr val="000000"/>
+                </a:solidFill>
+              </a:rPr>
               <a:t>1242131</a:t>
             </a:r>
             <a:r>
-              <a:rPr kumimoji="1" lang="ja-JP" altLang="en-US" sz="5400" dirty="0" smtClean="0"/>
+              <a:rPr kumimoji="1" lang="ja-JP" altLang="en-US" sz="5400" dirty="0" smtClean="0">
+                <a:solidFill>
+                  <a:srgbClr val="000000"/>
+                </a:solidFill>
+              </a:rPr>
               <a:t>　吉野 聡志</a:t>
             </a:r>
-            <a:endParaRPr kumimoji="1" lang="ja-JP" altLang="en-US" sz="5400" dirty="0"/>
+            <a:endParaRPr kumimoji="1" lang="ja-JP" altLang="en-US" sz="5400" dirty="0">
+              <a:solidFill>
+                <a:srgbClr val="000000"/>
+              </a:solidFill>
+            </a:endParaRPr>
           </a:p>
         </p:txBody>
       </p:sp>
@@ -7098,16 +7159,163 @@
           <a:lstStyle/>
           <a:p>
             <a:r>
-              <a:rPr kumimoji="1" lang="ja-JP" altLang="en-US" sz="7200" u="sng" dirty="0" smtClean="0"/>
+              <a:rPr kumimoji="1" lang="ja-JP" altLang="en-US" sz="7200" u="sng" dirty="0" smtClean="0">
+                <a:solidFill>
+                  <a:srgbClr val="000000"/>
+                </a:solidFill>
+              </a:rPr>
               <a:t>背景・目的</a:t>
             </a:r>
-            <a:endParaRPr kumimoji="1" lang="ja-JP" altLang="en-US" u="sng" dirty="0"/>
+            <a:endParaRPr kumimoji="1" lang="ja-JP" altLang="en-US" u="sng" dirty="0">
+              <a:solidFill>
+                <a:srgbClr val="000000"/>
+              </a:solidFill>
+            </a:endParaRPr>
+          </a:p>
+        </p:txBody>
+      </p:sp>
+      <p:sp>
+        <p:nvSpPr>
+          <p:cNvPr id="6" name="雲形吹き出し 5"/>
+          <p:cNvSpPr/>
+          <p:nvPr/>
+        </p:nvSpPr>
+        <p:spPr>
+          <a:xfrm>
+            <a:off x="2052440" y="6427019"/>
+            <a:ext cx="10225136" cy="2959100"/>
+          </a:xfrm>
+          <a:prstGeom prst="cloudCallout">
+            <a:avLst>
+              <a:gd name="adj1" fmla="val -35498"/>
+              <a:gd name="adj2" fmla="val 57859"/>
+            </a:avLst>
+          </a:prstGeom>
+          <a:solidFill>
+            <a:schemeClr val="tx1"/>
+          </a:solidFill>
+          <a:ln>
+            <a:solidFill>
+              <a:srgbClr val="000000"/>
+            </a:solidFill>
+          </a:ln>
+        </p:spPr>
+        <p:style>
+          <a:lnRef idx="2">
+            <a:schemeClr val="accent1">
+              <a:shade val="50000"/>
+            </a:schemeClr>
+          </a:lnRef>
+          <a:fillRef idx="1">
+            <a:schemeClr val="accent1"/>
+          </a:fillRef>
+          <a:effectRef idx="0">
+            <a:schemeClr val="accent1"/>
+          </a:effectRef>
+          <a:fontRef idx="minor">
+            <a:schemeClr val="lt1"/>
+          </a:fontRef>
+        </p:style>
+        <p:txBody>
+          <a:bodyPr rtlCol="0" anchor="ctr"/>
+          <a:lstStyle/>
+          <a:p>
+            <a:pPr algn="ctr"/>
+            <a:r>
+              <a:rPr kumimoji="1" lang="ja-JP" altLang="en-US" sz="4000" dirty="0" smtClean="0">
+                <a:solidFill>
+                  <a:srgbClr val="000000"/>
+                </a:solidFill>
+              </a:rPr>
+              <a:t>アフリカの子どもたちに　おいしいご飯を食べさせてあげたい、しかしお金が</a:t>
+            </a:r>
+            <a:r>
+              <a:rPr kumimoji="1" lang="en-US" altLang="ja-JP" sz="4000" dirty="0" smtClean="0">
+                <a:solidFill>
+                  <a:srgbClr val="000000"/>
+                </a:solidFill>
+              </a:rPr>
+              <a:t>…</a:t>
+            </a:r>
+            <a:endParaRPr kumimoji="1" lang="ja-JP" altLang="en-US" sz="4000" dirty="0">
+              <a:solidFill>
+                <a:srgbClr val="000000"/>
+              </a:solidFill>
+            </a:endParaRPr>
+          </a:p>
+        </p:txBody>
+      </p:sp>
+      <p:sp>
+        <p:nvSpPr>
+          <p:cNvPr id="7" name="右矢印 6"/>
+          <p:cNvSpPr/>
+          <p:nvPr/>
+        </p:nvSpPr>
+        <p:spPr>
+          <a:xfrm>
+            <a:off x="5759666" y="10264179"/>
+            <a:ext cx="3565581" cy="1728192"/>
+          </a:xfrm>
+          <a:prstGeom prst="rightArrow">
+            <a:avLst/>
+          </a:prstGeom>
+          <a:solidFill>
+            <a:schemeClr val="tx1"/>
+          </a:solidFill>
+          <a:ln>
+            <a:solidFill>
+              <a:srgbClr val="000000"/>
+            </a:solidFill>
+          </a:ln>
+        </p:spPr>
+        <p:style>
+          <a:lnRef idx="2">
+            <a:schemeClr val="accent1">
+              <a:shade val="50000"/>
+            </a:schemeClr>
+          </a:lnRef>
+          <a:fillRef idx="1">
+            <a:schemeClr val="accent1"/>
+          </a:fillRef>
+          <a:effectRef idx="0">
+            <a:schemeClr val="accent1"/>
+          </a:effectRef>
+          <a:fontRef idx="minor">
+            <a:schemeClr val="lt1"/>
+          </a:fontRef>
+        </p:style>
+        <p:txBody>
+          <a:bodyPr rtlCol="0" anchor="ctr"/>
+          <a:lstStyle/>
+          <a:p>
+            <a:pPr algn="ctr"/>
+            <a:r>
+              <a:rPr lang="en-US" altLang="ja-JP" sz="4000" dirty="0">
+                <a:solidFill>
+                  <a:srgbClr val="00B050"/>
+                </a:solidFill>
+              </a:rPr>
+              <a:t>Web</a:t>
+            </a:r>
+            <a:r>
+              <a:rPr kumimoji="1" lang="ja-JP" altLang="en-US" sz="4000" dirty="0" smtClean="0">
+                <a:solidFill>
+                  <a:srgbClr val="00B050"/>
+                </a:solidFill>
+              </a:rPr>
+              <a:t>で</a:t>
+            </a:r>
+            <a:endParaRPr kumimoji="1" lang="ja-JP" altLang="en-US" sz="4000" dirty="0">
+              <a:solidFill>
+                <a:srgbClr val="00B050"/>
+              </a:solidFill>
+            </a:endParaRPr>
           </a:p>
         </p:txBody>
       </p:sp>
       <p:pic>
         <p:nvPicPr>
-          <p:cNvPr id="3" name="図 2"/>
+          <p:cNvPr id="9" name="図 8"/>
           <p:cNvPicPr>
             <a:picLocks noChangeAspect="1"/>
           </p:cNvPicPr>
@@ -7126,37 +7334,100 @@
           </a:stretch>
         </p:blipFill>
         <p:spPr>
-          <a:xfrm flipH="1">
-            <a:off x="9613280" y="8324970"/>
-            <a:ext cx="3888432" cy="5302849"/>
+          <a:xfrm>
+            <a:off x="15356024" y="5175827"/>
+            <a:ext cx="3942544" cy="1971272"/>
           </a:xfrm>
           <a:prstGeom prst="rect">
             <a:avLst/>
           </a:prstGeom>
         </p:spPr>
       </p:pic>
-      <p:sp>
-        <p:nvSpPr>
-          <p:cNvPr id="6" name="雲形吹き出し 5"/>
+      <p:pic>
+        <p:nvPicPr>
+          <p:cNvPr id="12" name="図 11"/>
+          <p:cNvPicPr>
+            <a:picLocks noChangeAspect="1"/>
+          </p:cNvPicPr>
+          <p:nvPr/>
+        </p:nvPicPr>
+        <p:blipFill>
+          <a:blip r:embed="rId3">
+            <a:extLst>
+              <a:ext uri="{28A0092B-C50C-407E-A947-70E740481C1C}">
+                <a14:useLocalDpi xmlns:a14="http://schemas.microsoft.com/office/drawing/2010/main" val="0"/>
+              </a:ext>
+            </a:extLst>
+          </a:blip>
+          <a:stretch>
+            <a:fillRect/>
+          </a:stretch>
+        </p:blipFill>
+        <p:spPr>
+          <a:xfrm>
+            <a:off x="12853640" y="6990962"/>
+            <a:ext cx="3942544" cy="1971272"/>
+          </a:xfrm>
+          <a:prstGeom prst="rect">
+            <a:avLst/>
+          </a:prstGeom>
+        </p:spPr>
+      </p:pic>
+      <p:pic>
+        <p:nvPicPr>
+          <p:cNvPr id="13" name="図 12"/>
+          <p:cNvPicPr>
+            <a:picLocks noChangeAspect="1"/>
+          </p:cNvPicPr>
+          <p:nvPr/>
+        </p:nvPicPr>
+        <p:blipFill>
+          <a:blip r:embed="rId3">
+            <a:extLst>
+              <a:ext uri="{28A0092B-C50C-407E-A947-70E740481C1C}">
+                <a14:useLocalDpi xmlns:a14="http://schemas.microsoft.com/office/drawing/2010/main" val="0"/>
+              </a:ext>
+            </a:extLst>
+          </a:blip>
+          <a:stretch>
+            <a:fillRect/>
+          </a:stretch>
+        </p:blipFill>
+        <p:spPr>
+          <a:xfrm>
+            <a:off x="16796184" y="7552091"/>
+            <a:ext cx="3942544" cy="1971272"/>
+          </a:xfrm>
+          <a:prstGeom prst="rect">
+            <a:avLst/>
+          </a:prstGeom>
+        </p:spPr>
+      </p:pic>
+      <p:sp>
+        <p:nvSpPr>
+          <p:cNvPr id="16" name="角丸四角形吹き出し 15"/>
           <p:cNvSpPr/>
           <p:nvPr/>
         </p:nvSpPr>
         <p:spPr>
           <a:xfrm>
-            <a:off x="2268464" y="6427019"/>
-            <a:ext cx="10009112" cy="2592288"/>
-          </a:xfrm>
-          <a:prstGeom prst="cloudCallout">
+            <a:off x="13213680" y="10567800"/>
+            <a:ext cx="7513262" cy="2218693"/>
+          </a:xfrm>
+          <a:prstGeom prst="wedgeRoundRectCallout">
             <a:avLst>
-              <a:gd name="adj1" fmla="val -35498"/>
-              <a:gd name="adj2" fmla="val 57859"/>
+              <a:gd name="adj1" fmla="val -46347"/>
+              <a:gd name="adj2" fmla="val -79398"/>
+              <a:gd name="adj3" fmla="val 16667"/>
             </a:avLst>
           </a:prstGeom>
           <a:solidFill>
             <a:schemeClr val="tx1"/>
           </a:solidFill>
           <a:ln>
-            <a:noFill/>
+            <a:solidFill>
+              <a:srgbClr val="000000"/>
+            </a:solidFill>
           </a:ln>
         </p:spPr>
         <p:style>
@@ -7181,296 +7452,40 @@
           <a:p>
             <a:pPr algn="ctr"/>
             <a:r>
-              <a:rPr kumimoji="1" lang="ja-JP" altLang="en-US" sz="4000" dirty="0" smtClean="0">
-                <a:solidFill>
-                  <a:schemeClr val="bg1"/>
-                </a:solidFill>
-              </a:rPr>
-              <a:t>アフリカの子どもたちに　おいしいご飯を食べさせてあげたい、しかしお金が</a:t>
-            </a:r>
-            <a:r>
-              <a:rPr kumimoji="1" lang="en-US" altLang="ja-JP" sz="4000" dirty="0" smtClean="0">
-                <a:solidFill>
-                  <a:schemeClr val="bg1"/>
+              <a:rPr kumimoji="1" lang="en-US" altLang="ja-JP" sz="4400" dirty="0" smtClean="0">
+                <a:solidFill>
+                  <a:srgbClr val="000000"/>
                 </a:solidFill>
               </a:rPr>
               <a:t>…</a:t>
             </a:r>
-            <a:endParaRPr kumimoji="1" lang="ja-JP" altLang="en-US" sz="4000" dirty="0">
+            <a:r>
+              <a:rPr lang="ja-JP" altLang="en-US" sz="4400" dirty="0" smtClean="0">
+                <a:solidFill>
+                  <a:srgbClr val="000000"/>
+                </a:solidFill>
+              </a:rPr>
+              <a:t>をしたいので</a:t>
+            </a:r>
+            <a:endParaRPr lang="en-US" altLang="ja-JP" sz="4400" dirty="0" smtClean="0">
               <a:solidFill>
-                <a:schemeClr val="bg1"/>
+                <a:srgbClr val="000000"/>
               </a:solidFill>
             </a:endParaRPr>
           </a:p>
-        </p:txBody>
-      </p:sp>
-      <p:sp>
-        <p:nvSpPr>
-          <p:cNvPr id="7" name="右矢印 6"/>
-          <p:cNvSpPr/>
-          <p:nvPr/>
-        </p:nvSpPr>
-        <p:spPr>
-          <a:xfrm>
-            <a:off x="5759667" y="10264179"/>
-            <a:ext cx="3026706" cy="1728192"/>
-          </a:xfrm>
-          <a:prstGeom prst="rightArrow">
-            <a:avLst/>
-          </a:prstGeom>
-          <a:solidFill>
-            <a:schemeClr val="tx1"/>
-          </a:solidFill>
-          <a:ln>
-            <a:noFill/>
-          </a:ln>
-        </p:spPr>
-        <p:style>
-          <a:lnRef idx="2">
-            <a:schemeClr val="accent1">
-              <a:shade val="50000"/>
-            </a:schemeClr>
-          </a:lnRef>
-          <a:fillRef idx="1">
-            <a:schemeClr val="accent1"/>
-          </a:fillRef>
-          <a:effectRef idx="0">
-            <a:schemeClr val="accent1"/>
-          </a:effectRef>
-          <a:fontRef idx="minor">
-            <a:schemeClr val="lt1"/>
-          </a:fontRef>
-        </p:style>
-        <p:txBody>
-          <a:bodyPr rtlCol="0" anchor="ctr"/>
-          <a:lstStyle/>
           <a:p>
             <a:pPr algn="ctr"/>
             <a:r>
-              <a:rPr lang="en-US" altLang="ja-JP" sz="4000" dirty="0">
-                <a:solidFill>
-                  <a:srgbClr val="009900"/>
-                </a:solidFill>
-              </a:rPr>
-              <a:t>Web</a:t>
-            </a:r>
-            <a:r>
-              <a:rPr kumimoji="1" lang="ja-JP" altLang="en-US" sz="4000" dirty="0" smtClean="0">
-                <a:solidFill>
-                  <a:srgbClr val="009900"/>
-                </a:solidFill>
-              </a:rPr>
-              <a:t>で</a:t>
-            </a:r>
-            <a:endParaRPr kumimoji="1" lang="ja-JP" altLang="en-US" sz="4000" dirty="0">
-              <a:solidFill>
-                <a:srgbClr val="009900"/>
-              </a:solidFill>
-            </a:endParaRPr>
-          </a:p>
-        </p:txBody>
-      </p:sp>
-      <p:pic>
-        <p:nvPicPr>
-          <p:cNvPr id="9" name="図 8"/>
-          <p:cNvPicPr>
-            <a:picLocks noChangeAspect="1"/>
-          </p:cNvPicPr>
-          <p:nvPr/>
-        </p:nvPicPr>
-        <p:blipFill>
-          <a:blip r:embed="rId4">
-            <a:extLst>
-              <a:ext uri="{28A0092B-C50C-407E-A947-70E740481C1C}">
-                <a14:useLocalDpi xmlns:a14="http://schemas.microsoft.com/office/drawing/2010/main" val="0"/>
-              </a:ext>
-            </a:extLst>
-          </a:blip>
-          <a:stretch>
-            <a:fillRect/>
-          </a:stretch>
-        </p:blipFill>
-        <p:spPr>
-          <a:xfrm>
-            <a:off x="15356024" y="5175827"/>
-            <a:ext cx="3942544" cy="1971272"/>
-          </a:xfrm>
-          <a:prstGeom prst="rect">
-            <a:avLst/>
-          </a:prstGeom>
-        </p:spPr>
-      </p:pic>
-      <p:pic>
-        <p:nvPicPr>
-          <p:cNvPr id="12" name="図 11"/>
-          <p:cNvPicPr>
-            <a:picLocks noChangeAspect="1"/>
-          </p:cNvPicPr>
-          <p:nvPr/>
-        </p:nvPicPr>
-        <p:blipFill>
-          <a:blip r:embed="rId4">
-            <a:extLst>
-              <a:ext uri="{28A0092B-C50C-407E-A947-70E740481C1C}">
-                <a14:useLocalDpi xmlns:a14="http://schemas.microsoft.com/office/drawing/2010/main" val="0"/>
-              </a:ext>
-            </a:extLst>
-          </a:blip>
-          <a:stretch>
-            <a:fillRect/>
-          </a:stretch>
-        </p:blipFill>
-        <p:spPr>
-          <a:xfrm>
-            <a:off x="12853640" y="6990962"/>
-            <a:ext cx="3942544" cy="1971272"/>
-          </a:xfrm>
-          <a:prstGeom prst="rect">
-            <a:avLst/>
-          </a:prstGeom>
-        </p:spPr>
-      </p:pic>
-      <p:pic>
-        <p:nvPicPr>
-          <p:cNvPr id="13" name="図 12"/>
-          <p:cNvPicPr>
-            <a:picLocks noChangeAspect="1"/>
-          </p:cNvPicPr>
-          <p:nvPr/>
-        </p:nvPicPr>
-        <p:blipFill>
-          <a:blip r:embed="rId4">
-            <a:extLst>
-              <a:ext uri="{28A0092B-C50C-407E-A947-70E740481C1C}">
-                <a14:useLocalDpi xmlns:a14="http://schemas.microsoft.com/office/drawing/2010/main" val="0"/>
-              </a:ext>
-            </a:extLst>
-          </a:blip>
-          <a:stretch>
-            <a:fillRect/>
-          </a:stretch>
-        </p:blipFill>
-        <p:spPr>
-          <a:xfrm>
-            <a:off x="16796184" y="7552091"/>
-            <a:ext cx="3942544" cy="1971272"/>
-          </a:xfrm>
-          <a:prstGeom prst="rect">
-            <a:avLst/>
-          </a:prstGeom>
-        </p:spPr>
-      </p:pic>
-      <p:pic>
-        <p:nvPicPr>
-          <p:cNvPr id="15" name="図 14"/>
-          <p:cNvPicPr>
-            <a:picLocks noChangeAspect="1"/>
-          </p:cNvPicPr>
-          <p:nvPr/>
-        </p:nvPicPr>
-        <p:blipFill>
-          <a:blip r:embed="rId5">
-            <a:extLst>
-              <a:ext uri="{28A0092B-C50C-407E-A947-70E740481C1C}">
-                <a14:useLocalDpi xmlns:a14="http://schemas.microsoft.com/office/drawing/2010/main" val="0"/>
-              </a:ext>
-            </a:extLst>
-          </a:blip>
-          <a:stretch>
-            <a:fillRect/>
-          </a:stretch>
-        </p:blipFill>
-        <p:spPr>
-          <a:xfrm>
-            <a:off x="1788126" y="9146343"/>
-            <a:ext cx="3120916" cy="3963865"/>
-          </a:xfrm>
-          <a:prstGeom prst="rect">
-            <a:avLst/>
-          </a:prstGeom>
-        </p:spPr>
-      </p:pic>
-      <p:sp>
-        <p:nvSpPr>
-          <p:cNvPr id="16" name="角丸四角形吹き出し 15"/>
-          <p:cNvSpPr/>
-          <p:nvPr/>
-        </p:nvSpPr>
-        <p:spPr>
-          <a:xfrm>
-            <a:off x="13213680" y="10567800"/>
-            <a:ext cx="7056784" cy="2218693"/>
-          </a:xfrm>
-          <a:prstGeom prst="wedgeRoundRectCallout">
-            <a:avLst>
-              <a:gd name="adj1" fmla="val -46347"/>
-              <a:gd name="adj2" fmla="val -79398"/>
-              <a:gd name="adj3" fmla="val 16667"/>
-            </a:avLst>
-          </a:prstGeom>
-          <a:solidFill>
-            <a:schemeClr val="tx1"/>
-          </a:solidFill>
-          <a:ln>
-            <a:noFill/>
-          </a:ln>
-        </p:spPr>
-        <p:style>
-          <a:lnRef idx="2">
-            <a:schemeClr val="accent1">
-              <a:shade val="50000"/>
-            </a:schemeClr>
-          </a:lnRef>
-          <a:fillRef idx="1">
-            <a:schemeClr val="accent1"/>
-          </a:fillRef>
-          <a:effectRef idx="0">
-            <a:schemeClr val="accent1"/>
-          </a:effectRef>
-          <a:fontRef idx="minor">
-            <a:schemeClr val="lt1"/>
-          </a:fontRef>
-        </p:style>
-        <p:txBody>
-          <a:bodyPr rtlCol="0" anchor="ctr"/>
-          <a:lstStyle/>
-          <a:p>
-            <a:pPr algn="ctr"/>
-            <a:r>
-              <a:rPr kumimoji="1" lang="en-US" altLang="ja-JP" sz="4400" dirty="0" smtClean="0">
-                <a:solidFill>
-                  <a:schemeClr val="bg1"/>
-                </a:solidFill>
-              </a:rPr>
-              <a:t>…</a:t>
-            </a:r>
-            <a:r>
               <a:rPr lang="ja-JP" altLang="en-US" sz="4400" dirty="0" smtClean="0">
                 <a:solidFill>
-                  <a:schemeClr val="bg1"/>
-                </a:solidFill>
-              </a:rPr>
-              <a:t>をしたいので</a:t>
-            </a:r>
-            <a:endParaRPr lang="en-US" altLang="ja-JP" sz="4400" dirty="0" smtClean="0">
-              <a:solidFill>
-                <a:schemeClr val="bg1"/>
-              </a:solidFill>
-            </a:endParaRPr>
-          </a:p>
-          <a:p>
-            <a:pPr algn="ctr"/>
-            <a:r>
-              <a:rPr lang="ja-JP" altLang="en-US" sz="4400" dirty="0" smtClean="0">
-                <a:solidFill>
-                  <a:schemeClr val="bg1"/>
+                  <a:srgbClr val="000000"/>
                 </a:solidFill>
               </a:rPr>
               <a:t>支援をお願いします！</a:t>
             </a:r>
             <a:endParaRPr kumimoji="1" lang="ja-JP" altLang="en-US" sz="4400" dirty="0">
               <a:solidFill>
-                <a:schemeClr val="bg1"/>
+                <a:srgbClr val="000000"/>
               </a:solidFill>
             </a:endParaRPr>
           </a:p>
@@ -7492,7 +7507,7 @@
           </a:prstGeom>
           <a:ln w="38100">
             <a:solidFill>
-              <a:schemeClr val="tx1"/>
+              <a:srgbClr val="000000"/>
             </a:solidFill>
           </a:ln>
         </p:spPr>
@@ -7527,7 +7542,7 @@
           </a:prstGeom>
           <a:ln w="38100">
             <a:solidFill>
-              <a:schemeClr val="tx1"/>
+              <a:srgbClr val="000000"/>
             </a:solidFill>
           </a:ln>
         </p:spPr>
@@ -7562,7 +7577,7 @@
           </a:prstGeom>
           <a:ln w="38100">
             <a:solidFill>
-              <a:schemeClr val="tx1"/>
+              <a:srgbClr val="000000"/>
             </a:solidFill>
           </a:ln>
         </p:spPr>
@@ -7589,7 +7604,7 @@
         </p:nvSpPr>
         <p:spPr>
           <a:xfrm rot="5400000">
-            <a:off x="10851116" y="13470104"/>
+            <a:off x="10923124" y="13443267"/>
             <a:ext cx="1268745" cy="1728192"/>
           </a:xfrm>
           <a:prstGeom prst="rightArrow">
@@ -7599,7 +7614,9 @@
             <a:schemeClr val="tx1"/>
           </a:solidFill>
           <a:ln>
-            <a:noFill/>
+            <a:solidFill>
+              <a:srgbClr val="000000"/>
+            </a:solidFill>
           </a:ln>
         </p:spPr>
         <p:style>
@@ -7625,7 +7642,7 @@
             <a:pPr algn="ctr"/>
             <a:endParaRPr kumimoji="1" lang="ja-JP" altLang="en-US" sz="3600" dirty="0">
               <a:solidFill>
-                <a:srgbClr val="009900"/>
+                <a:srgbClr val="000000"/>
               </a:solidFill>
             </a:endParaRPr>
           </a:p>
@@ -7654,34 +7671,58 @@
           <a:lstStyle/>
           <a:p>
             <a:r>
-              <a:rPr kumimoji="1" lang="ja-JP" altLang="en-US" sz="4800" dirty="0" smtClean="0"/>
-              <a:t>支援を呼びかけるページに設置されたツイート　ボタンを</a:t>
-            </a:r>
-            <a:r>
-              <a:rPr kumimoji="1" lang="ja-JP" altLang="en-US" sz="4800" dirty="0" smtClean="0"/>
-              <a:t>押す</a:t>
-            </a:r>
-            <a:r>
-              <a:rPr lang="ja-JP" altLang="en-US" sz="4800" dirty="0"/>
+              <a:rPr kumimoji="1" lang="ja-JP" altLang="en-US" sz="4800" dirty="0" smtClean="0">
+                <a:solidFill>
+                  <a:srgbClr val="000000"/>
+                </a:solidFill>
+              </a:rPr>
+              <a:t>支援を呼びかけるページに設置されたツイート　ボタンを押す</a:t>
+            </a:r>
+            <a:r>
+              <a:rPr lang="ja-JP" altLang="en-US" sz="4800" dirty="0" smtClean="0">
+                <a:solidFill>
+                  <a:srgbClr val="000000"/>
+                </a:solidFill>
+              </a:rPr>
               <a:t>と</a:t>
             </a:r>
             <a:r>
-              <a:rPr kumimoji="1" lang="ja-JP" altLang="en-US" sz="4800" dirty="0" smtClean="0"/>
-              <a:t>プロジェクト</a:t>
-            </a:r>
-            <a:r>
-              <a:rPr kumimoji="1" lang="ja-JP" altLang="en-US" sz="4800" dirty="0" smtClean="0"/>
+              <a:rPr lang="ja-JP" altLang="en-US" sz="4800" dirty="0">
+                <a:solidFill>
+                  <a:srgbClr val="000000"/>
+                </a:solidFill>
+              </a:rPr>
+              <a:t>クラウドファンディング</a:t>
+            </a:r>
+            <a:r>
+              <a:rPr kumimoji="1" lang="ja-JP" altLang="en-US" sz="4800" dirty="0" smtClean="0">
+                <a:solidFill>
+                  <a:srgbClr val="000000"/>
+                </a:solidFill>
+              </a:rPr>
               <a:t>の成否にどのような影響を</a:t>
             </a:r>
             <a:r>
-              <a:rPr lang="ja-JP" altLang="en-US" sz="4800" dirty="0"/>
+              <a:rPr lang="ja-JP" altLang="en-US" sz="4800" dirty="0">
+                <a:solidFill>
+                  <a:srgbClr val="000000"/>
+                </a:solidFill>
+              </a:rPr>
               <a:t>与える</a:t>
             </a:r>
             <a:r>
-              <a:rPr lang="ja-JP" altLang="en-US" sz="4800" dirty="0" smtClean="0"/>
+              <a:rPr lang="ja-JP" altLang="en-US" sz="4800" dirty="0" smtClean="0">
+                <a:solidFill>
+                  <a:srgbClr val="000000"/>
+                </a:solidFill>
+              </a:rPr>
               <a:t>か？</a:t>
             </a:r>
-            <a:endParaRPr kumimoji="1" lang="ja-JP" altLang="en-US" sz="4800" dirty="0"/>
+            <a:endParaRPr kumimoji="1" lang="ja-JP" altLang="en-US" sz="4800" dirty="0">
+              <a:solidFill>
+                <a:srgbClr val="000000"/>
+              </a:solidFill>
+            </a:endParaRPr>
           </a:p>
         </p:txBody>
       </p:sp>
@@ -7694,7 +7735,7 @@
           <p:nvPr/>
         </p:nvPicPr>
         <p:blipFill>
-          <a:blip r:embed="rId6">
+          <a:blip r:embed="rId4">
             <a:extLst>
               <a:ext uri="{28A0092B-C50C-407E-A947-70E740481C1C}">
                 <a14:useLocalDpi xmlns:a14="http://schemas.microsoft.com/office/drawing/2010/main" val="0"/>
@@ -7713,6 +7754,11 @@
           <a:prstGeom prst="rect">
             <a:avLst/>
           </a:prstGeom>
+          <a:ln>
+            <a:solidFill>
+              <a:srgbClr val="000000"/>
+            </a:solidFill>
+          </a:ln>
         </p:spPr>
       </p:pic>
       <p:sp>
@@ -7757,7 +7803,11 @@
           <a:lstStyle/>
           <a:p>
             <a:pPr algn="ctr"/>
-            <a:endParaRPr kumimoji="1" lang="ja-JP" altLang="en-US"/>
+            <a:endParaRPr kumimoji="1" lang="ja-JP" altLang="en-US">
+              <a:solidFill>
+                <a:srgbClr val="000000"/>
+              </a:solidFill>
+            </a:endParaRPr>
           </a:p>
         </p:txBody>
       </p:sp>
@@ -7769,7 +7819,7 @@
         </p:nvSpPr>
         <p:spPr>
           <a:xfrm>
-            <a:off x="324248" y="17786714"/>
+            <a:off x="324248" y="17876291"/>
             <a:ext cx="4824536" cy="1200329"/>
           </a:xfrm>
           <a:prstGeom prst="rect">
@@ -7784,10 +7834,18 @@
           <a:lstStyle/>
           <a:p>
             <a:r>
-              <a:rPr lang="ja-JP" altLang="en-US" sz="7200" u="sng" dirty="0"/>
+              <a:rPr lang="ja-JP" altLang="en-US" sz="7200" u="sng" dirty="0">
+                <a:solidFill>
+                  <a:srgbClr val="000000"/>
+                </a:solidFill>
+              </a:rPr>
               <a:t>研究の方法</a:t>
             </a:r>
-            <a:endParaRPr kumimoji="1" lang="ja-JP" altLang="en-US" u="sng" dirty="0"/>
+            <a:endParaRPr kumimoji="1" lang="ja-JP" altLang="en-US" u="sng" dirty="0">
+              <a:solidFill>
+                <a:srgbClr val="000000"/>
+              </a:solidFill>
+            </a:endParaRPr>
           </a:p>
         </p:txBody>
       </p:sp>
@@ -7799,7 +7857,7 @@
         </p:nvSpPr>
         <p:spPr>
           <a:xfrm>
-            <a:off x="180231" y="22787351"/>
+            <a:off x="324248" y="22787351"/>
             <a:ext cx="10585176" cy="1569660"/>
           </a:xfrm>
           <a:prstGeom prst="rect">
@@ -7813,20 +7871,35 @@
           </a:bodyPr>
           <a:lstStyle/>
           <a:p>
-            <a:pPr algn="ctr"/>
-            <a:r>
-              <a:rPr kumimoji="1" lang="ja-JP" altLang="en-US" sz="4800" dirty="0" smtClean="0"/>
+            <a:r>
+              <a:rPr kumimoji="1" lang="ja-JP" altLang="en-US" sz="4800" dirty="0" smtClean="0">
+                <a:solidFill>
+                  <a:srgbClr val="000000"/>
+                </a:solidFill>
+              </a:rPr>
               <a:t>プロジェクトごとにツイートボタン　からの投稿を</a:t>
             </a:r>
             <a:r>
-              <a:rPr kumimoji="1" lang="en-US" altLang="ja-JP" sz="4800" dirty="0" smtClean="0"/>
+              <a:rPr kumimoji="1" lang="en-US" altLang="ja-JP" sz="4800" dirty="0" smtClean="0">
+                <a:solidFill>
+                  <a:srgbClr val="000000"/>
+                </a:solidFill>
+              </a:rPr>
               <a:t>Togetter</a:t>
             </a:r>
             <a:r>
-              <a:rPr kumimoji="1" lang="ja-JP" altLang="en-US" sz="4800" dirty="0" smtClean="0"/>
+              <a:rPr kumimoji="1" lang="ja-JP" altLang="en-US" sz="4800" dirty="0" smtClean="0">
+                <a:solidFill>
+                  <a:srgbClr val="000000"/>
+                </a:solidFill>
+              </a:rPr>
               <a:t>で保存</a:t>
             </a:r>
-            <a:endParaRPr kumimoji="1" lang="ja-JP" altLang="en-US" sz="4800" dirty="0"/>
+            <a:endParaRPr kumimoji="1" lang="ja-JP" altLang="en-US" sz="4800" dirty="0">
+              <a:solidFill>
+                <a:srgbClr val="000000"/>
+              </a:solidFill>
+            </a:endParaRPr>
           </a:p>
         </p:txBody>
       </p:sp>
@@ -7838,7 +7911,7 @@
         </p:nvSpPr>
         <p:spPr>
           <a:xfrm>
-            <a:off x="180232" y="19316451"/>
+            <a:off x="324248" y="19316451"/>
             <a:ext cx="10585176" cy="2308324"/>
           </a:xfrm>
           <a:prstGeom prst="rect">
@@ -7852,28 +7925,83 @@
           </a:bodyPr>
           <a:lstStyle/>
           <a:p>
-            <a:pPr algn="ctr"/>
-            <a:r>
-              <a:rPr lang="ja-JP" altLang="en-US" sz="4800" dirty="0" smtClean="0"/>
+            <a:r>
+              <a:rPr lang="ja-JP" altLang="en-US" sz="4800" dirty="0" smtClean="0">
+                <a:solidFill>
+                  <a:srgbClr val="000000"/>
+                </a:solidFill>
+              </a:rPr>
               <a:t>クラウドファンディングを行うサイトの</a:t>
             </a:r>
             <a:r>
-              <a:rPr lang="en-US" altLang="ja-JP" sz="4800" dirty="0" smtClean="0"/>
+              <a:rPr lang="en-US" altLang="ja-JP" sz="4800" dirty="0" smtClean="0">
+                <a:solidFill>
+                  <a:srgbClr val="000000"/>
+                </a:solidFill>
+              </a:rPr>
               <a:t>INDIEGOGO</a:t>
             </a:r>
             <a:r>
-              <a:rPr lang="ja-JP" altLang="en-US" sz="4800" dirty="0" smtClean="0"/>
-              <a:t>で一定期間内に　　　行われたプロジェクトを</a:t>
-            </a:r>
-            <a:r>
-              <a:rPr lang="en-US" altLang="ja-JP" sz="4800" dirty="0"/>
+              <a:rPr lang="ja-JP" altLang="en-US" sz="4800" dirty="0" smtClean="0">
+                <a:solidFill>
+                  <a:srgbClr val="000000"/>
+                </a:solidFill>
+              </a:rPr>
+              <a:t>で</a:t>
+            </a:r>
+            <a:r>
+              <a:rPr lang="en-US" altLang="ja-JP" sz="4800" dirty="0" smtClean="0">
+                <a:solidFill>
+                  <a:srgbClr val="000000"/>
+                </a:solidFill>
+              </a:rPr>
+              <a:t>11/21</a:t>
+            </a:r>
+            <a:r>
+              <a:rPr lang="ja-JP" altLang="en-US" sz="4800" dirty="0" smtClean="0">
+                <a:solidFill>
+                  <a:srgbClr val="000000"/>
+                </a:solidFill>
+              </a:rPr>
+              <a:t>～</a:t>
+            </a:r>
+            <a:r>
+              <a:rPr lang="en-US" altLang="ja-JP" sz="4800" dirty="0" smtClean="0">
+                <a:solidFill>
+                  <a:srgbClr val="000000"/>
+                </a:solidFill>
+              </a:rPr>
+              <a:t>12/10</a:t>
+            </a:r>
+            <a:r>
+              <a:rPr lang="ja-JP" altLang="en-US" sz="4800" dirty="0" smtClean="0">
+                <a:solidFill>
+                  <a:srgbClr val="000000"/>
+                </a:solidFill>
+              </a:rPr>
+              <a:t>に　　　行われたプロジェクトを</a:t>
+            </a:r>
+            <a:r>
+              <a:rPr lang="en-US" altLang="ja-JP" sz="4800" dirty="0">
+                <a:solidFill>
+                  <a:srgbClr val="000000"/>
+                </a:solidFill>
+              </a:rPr>
               <a:t>10</a:t>
             </a:r>
             <a:r>
-              <a:rPr lang="ja-JP" altLang="en-US" sz="4800" dirty="0" smtClean="0"/>
+              <a:rPr lang="ja-JP" altLang="en-US" sz="4800" dirty="0" smtClean="0">
+                <a:solidFill>
+                  <a:srgbClr val="000000"/>
+                </a:solidFill>
+              </a:rPr>
               <a:t>個選出</a:t>
             </a:r>
-            <a:endParaRPr kumimoji="1" lang="ja-JP" altLang="en-US" sz="4800" dirty="0"/>
+            <a:endParaRPr kumimoji="1" lang="ja-JP" altLang="en-US" sz="4800" dirty="0">
+              <a:solidFill>
+                <a:srgbClr val="000000"/>
+              </a:solidFill>
+            </a:endParaRPr>
           </a:p>
         </p:txBody>
       </p:sp>
@@ -7895,7 +8023,9 @@
             <a:schemeClr val="tx1"/>
           </a:solidFill>
           <a:ln>
-            <a:noFill/>
+            <a:solidFill>
+              <a:srgbClr val="000000"/>
+            </a:solidFill>
           </a:ln>
         </p:spPr>
         <p:style>
@@ -7921,7 +8051,7 @@
             <a:pPr algn="ctr"/>
             <a:endParaRPr kumimoji="1" lang="ja-JP" altLang="en-US" sz="3600" dirty="0">
               <a:solidFill>
-                <a:srgbClr val="009900"/>
+                <a:srgbClr val="000000"/>
               </a:solidFill>
             </a:endParaRPr>
           </a:p>
@@ -7945,7 +8075,9 @@
             <a:schemeClr val="tx1"/>
           </a:solidFill>
           <a:ln>
-            <a:noFill/>
+            <a:solidFill>
+              <a:srgbClr val="000000"/>
+            </a:solidFill>
           </a:ln>
         </p:spPr>
         <p:style>
@@ -7971,7 +8103,7 @@
             <a:pPr algn="ctr"/>
             <a:endParaRPr kumimoji="1" lang="ja-JP" altLang="en-US" sz="3600" dirty="0">
               <a:solidFill>
-                <a:srgbClr val="009900"/>
+                <a:srgbClr val="000000"/>
               </a:solidFill>
             </a:endParaRPr>
           </a:p>
@@ -7985,7 +8117,7 @@
         </p:nvSpPr>
         <p:spPr>
           <a:xfrm>
-            <a:off x="180230" y="25827943"/>
+            <a:off x="324248" y="25827943"/>
             <a:ext cx="10585176" cy="3785652"/>
           </a:xfrm>
           <a:prstGeom prst="rect">
@@ -7999,16 +8131,43 @@
           </a:bodyPr>
           <a:lstStyle/>
           <a:p>
-            <a:pPr algn="ctr"/>
-            <a:r>
-              <a:rPr lang="ja-JP" altLang="en-US" sz="4800" dirty="0"/>
-              <a:t>つぶやき</a:t>
-            </a:r>
-            <a:r>
-              <a:rPr lang="ja-JP" altLang="en-US" sz="4800" dirty="0" smtClean="0"/>
-              <a:t>の閲覧数とプロジェクトの　成否を規準変数として扱い決定木を　作成，つぶやきの閲覧数による　　　プロジェクトが成功する確率の変動を調査</a:t>
-            </a:r>
-            <a:endParaRPr kumimoji="1" lang="ja-JP" altLang="en-US" sz="4800" dirty="0"/>
+            <a:r>
+              <a:rPr lang="ja-JP" altLang="en-US" sz="4800" dirty="0" smtClean="0">
+                <a:solidFill>
+                  <a:srgbClr val="000000"/>
+                </a:solidFill>
+              </a:rPr>
+              <a:t>投稿をした</a:t>
+            </a:r>
+            <a:r>
+              <a:rPr lang="ja-JP" altLang="en-US" sz="4800" dirty="0" smtClean="0">
+                <a:solidFill>
+                  <a:srgbClr val="000000"/>
+                </a:solidFill>
+              </a:rPr>
+              <a:t>ユーザのフォロワー数と　　プロジェクトの成否を規準変数として扱い決定木を作成，</a:t>
+            </a:r>
+            <a:r>
+              <a:rPr lang="ja-JP" altLang="en-US" sz="4800" dirty="0">
+                <a:solidFill>
+                  <a:srgbClr val="000000"/>
+                </a:solidFill>
+              </a:rPr>
+              <a:t>フォロワー</a:t>
+            </a:r>
+            <a:r>
+              <a:rPr lang="ja-JP" altLang="en-US" sz="4800" dirty="0" smtClean="0">
+                <a:solidFill>
+                  <a:srgbClr val="000000"/>
+                </a:solidFill>
+              </a:rPr>
+              <a:t>数に　よるクラウドファンディングが成功　する確率の変動を調査</a:t>
+            </a:r>
+            <a:endParaRPr kumimoji="1" lang="ja-JP" altLang="en-US" sz="4800" dirty="0">
+              <a:solidFill>
+                <a:srgbClr val="000000"/>
+              </a:solidFill>
+            </a:endParaRPr>
           </a:p>
         </p:txBody>
       </p:sp>
@@ -8020,7 +8179,7 @@
         </p:nvSpPr>
         <p:spPr>
           <a:xfrm>
-            <a:off x="11089232" y="23012666"/>
+            <a:off x="11089232" y="22124763"/>
             <a:ext cx="9767347" cy="1200329"/>
           </a:xfrm>
           <a:prstGeom prst="rect">
@@ -8035,18 +8194,34 @@
           <a:lstStyle/>
           <a:p>
             <a:r>
-              <a:rPr lang="ja-JP" altLang="en-US" sz="7200" u="sng" dirty="0"/>
+              <a:rPr lang="ja-JP" altLang="en-US" sz="7200" u="sng" dirty="0">
+                <a:solidFill>
+                  <a:srgbClr val="000000"/>
+                </a:solidFill>
+              </a:rPr>
               <a:t>今後</a:t>
             </a:r>
             <a:r>
-              <a:rPr lang="ja-JP" altLang="en-US" sz="7200" u="sng" dirty="0" smtClean="0"/>
+              <a:rPr lang="ja-JP" altLang="en-US" sz="7200" u="sng" dirty="0" smtClean="0">
+                <a:solidFill>
+                  <a:srgbClr val="000000"/>
+                </a:solidFill>
+              </a:rPr>
               <a:t>の</a:t>
             </a:r>
             <a:r>
-              <a:rPr lang="ja-JP" altLang="en-US" sz="7200" u="sng" dirty="0"/>
+              <a:rPr lang="ja-JP" altLang="en-US" sz="7200" u="sng" dirty="0">
+                <a:solidFill>
+                  <a:srgbClr val="000000"/>
+                </a:solidFill>
+              </a:rPr>
               <a:t>計画</a:t>
             </a:r>
-            <a:endParaRPr kumimoji="1" lang="ja-JP" altLang="en-US" u="sng" dirty="0"/>
+            <a:endParaRPr kumimoji="1" lang="ja-JP" altLang="en-US" u="sng" dirty="0">
+              <a:solidFill>
+                <a:srgbClr val="000000"/>
+              </a:solidFill>
+            </a:endParaRPr>
           </a:p>
         </p:txBody>
       </p:sp>
@@ -8058,8 +8233,8 @@
         </p:nvSpPr>
         <p:spPr>
           <a:xfrm>
-            <a:off x="11089232" y="18987183"/>
-            <a:ext cx="10405368" cy="3785652"/>
+            <a:off x="11089232" y="19312383"/>
+            <a:ext cx="10405368" cy="2308324"/>
           </a:xfrm>
           <a:prstGeom prst="rect">
             <a:avLst/>
@@ -8073,14 +8248,56 @@
           <a:lstStyle/>
           <a:p>
             <a:r>
-              <a:rPr lang="ja-JP" altLang="en-US" sz="4800" dirty="0"/>
-              <a:t>つぶやき</a:t>
-            </a:r>
-            <a:r>
-              <a:rPr lang="ja-JP" altLang="en-US" sz="4800" dirty="0" smtClean="0"/>
-              <a:t>を閲覧した人数に反比例　してプロジェクトの成功率が下がっているという結果が出たが、調査　したプロジェクトの数が少ないため信頼性に欠ける</a:t>
-            </a:r>
-            <a:endParaRPr kumimoji="1" lang="ja-JP" altLang="en-US" sz="4800" dirty="0"/>
+              <a:rPr lang="ja-JP" altLang="en-US" sz="4800" dirty="0">
+                <a:solidFill>
+                  <a:srgbClr val="000000"/>
+                </a:solidFill>
+              </a:rPr>
+              <a:t>フォロワー</a:t>
+            </a:r>
+            <a:r>
+              <a:rPr lang="ja-JP" altLang="en-US" sz="4800" dirty="0" smtClean="0">
+                <a:solidFill>
+                  <a:srgbClr val="000000"/>
+                </a:solidFill>
+              </a:rPr>
+              <a:t>数に反比例して</a:t>
+            </a:r>
+            <a:endParaRPr lang="en-US" altLang="ja-JP" sz="4800" dirty="0" smtClean="0">
+              <a:solidFill>
+                <a:srgbClr val="000000"/>
+              </a:solidFill>
+            </a:endParaRPr>
+          </a:p>
+          <a:p>
+            <a:r>
+              <a:rPr lang="ja-JP" altLang="en-US" sz="4800" dirty="0" smtClean="0">
+                <a:solidFill>
+                  <a:srgbClr val="000000"/>
+                </a:solidFill>
+              </a:rPr>
+              <a:t>プロジェクトの成功率が下がって</a:t>
+            </a:r>
+            <a:endParaRPr lang="en-US" altLang="ja-JP" sz="4800" dirty="0" smtClean="0">
+              <a:solidFill>
+                <a:srgbClr val="000000"/>
+              </a:solidFill>
+            </a:endParaRPr>
+          </a:p>
+          <a:p>
+            <a:r>
+              <a:rPr lang="ja-JP" altLang="en-US" sz="4800" dirty="0" smtClean="0">
+                <a:solidFill>
+                  <a:srgbClr val="000000"/>
+                </a:solidFill>
+              </a:rPr>
+              <a:t>いるという結果が出た</a:t>
+            </a:r>
+            <a:endParaRPr kumimoji="1" lang="ja-JP" altLang="en-US" sz="4800" dirty="0">
+              <a:solidFill>
+                <a:srgbClr val="000000"/>
+              </a:solidFill>
+            </a:endParaRPr>
           </a:p>
         </p:txBody>
       </p:sp>
@@ -8092,7 +8309,7 @@
         </p:nvSpPr>
         <p:spPr>
           <a:xfrm>
-            <a:off x="11197456" y="24188016"/>
+            <a:off x="11197456" y="23611952"/>
             <a:ext cx="10369152" cy="6001643"/>
           </a:xfrm>
           <a:prstGeom prst="rect">
@@ -8111,10 +8328,18 @@
               <a:buChar char="l"/>
             </a:pPr>
             <a:r>
-              <a:rPr kumimoji="1" lang="ja-JP" altLang="en-US" sz="4800" dirty="0" smtClean="0"/>
-              <a:t>プロジェクトの数を増やしたり，他の分析手法を用いることでより信頼できるデータ作りを行う</a:t>
-            </a:r>
-            <a:endParaRPr kumimoji="1" lang="en-US" altLang="ja-JP" sz="4800" dirty="0" smtClean="0"/>
+              <a:rPr kumimoji="1" lang="ja-JP" altLang="en-US" sz="4800" dirty="0" smtClean="0">
+                <a:solidFill>
+                  <a:srgbClr val="000000"/>
+                </a:solidFill>
+              </a:rPr>
+              <a:t>プロジェクトの数を増やしたり，他の分析手法も用いることでより信頼できるデータ作りを行う</a:t>
+            </a:r>
+            <a:endParaRPr kumimoji="1" lang="en-US" altLang="ja-JP" sz="4800" dirty="0" smtClean="0">
+              <a:solidFill>
+                <a:srgbClr val="000000"/>
+              </a:solidFill>
+            </a:endParaRPr>
           </a:p>
           <a:p>
             <a:pPr marL="685800" indent="-685800">
@@ -8122,30 +8347,58 @@
               <a:buChar char="l"/>
             </a:pPr>
             <a:r>
-              <a:rPr lang="en-US" altLang="ja-JP" sz="4800" dirty="0" smtClean="0"/>
+              <a:rPr lang="en-US" altLang="ja-JP" sz="4800" dirty="0" smtClean="0">
+                <a:solidFill>
+                  <a:srgbClr val="000000"/>
+                </a:solidFill>
+              </a:rPr>
               <a:t>Twitter</a:t>
             </a:r>
             <a:r>
-              <a:rPr lang="ja-JP" altLang="en-US" sz="4800" dirty="0" smtClean="0"/>
+              <a:rPr lang="ja-JP" altLang="en-US" sz="4800" dirty="0" smtClean="0">
+                <a:solidFill>
+                  <a:srgbClr val="000000"/>
+                </a:solidFill>
+              </a:rPr>
               <a:t>以外の</a:t>
             </a:r>
             <a:r>
-              <a:rPr lang="en-US" altLang="ja-JP" sz="4800" dirty="0" smtClean="0"/>
+              <a:rPr lang="en-US" altLang="ja-JP" sz="4800" dirty="0" smtClean="0">
+                <a:solidFill>
+                  <a:srgbClr val="000000"/>
+                </a:solidFill>
+              </a:rPr>
               <a:t>SNS</a:t>
             </a:r>
             <a:r>
-              <a:rPr lang="ja-JP" altLang="en-US" sz="4800" dirty="0" smtClean="0"/>
-              <a:t>の利用状況も　含めて調査し，クラウドファンディングと</a:t>
-            </a:r>
-            <a:r>
-              <a:rPr lang="en-US" altLang="ja-JP" sz="4800" dirty="0" smtClean="0"/>
+              <a:rPr lang="ja-JP" altLang="en-US" sz="4800" dirty="0" smtClean="0">
+                <a:solidFill>
+                  <a:srgbClr val="000000"/>
+                </a:solidFill>
+              </a:rPr>
+              <a:t>の利用状況も　含めて調査し，クラウド　　　ファンディングと</a:t>
+            </a:r>
+            <a:r>
+              <a:rPr lang="en-US" altLang="ja-JP" sz="4800" dirty="0" smtClean="0">
+                <a:solidFill>
+                  <a:srgbClr val="000000"/>
+                </a:solidFill>
+              </a:rPr>
               <a:t>SNS</a:t>
             </a:r>
             <a:r>
-              <a:rPr lang="ja-JP" altLang="en-US" sz="4800" dirty="0" smtClean="0"/>
-              <a:t>の関係性を考察　する</a:t>
-            </a:r>
-            <a:endParaRPr lang="en-US" altLang="ja-JP" sz="4800" dirty="0" smtClean="0"/>
+              <a:rPr lang="ja-JP" altLang="en-US" sz="4800" dirty="0" smtClean="0">
+                <a:solidFill>
+                  <a:srgbClr val="000000"/>
+                </a:solidFill>
+              </a:rPr>
+              <a:t>の関係性を考察する</a:t>
+            </a:r>
+            <a:endParaRPr lang="en-US" altLang="ja-JP" sz="4800" dirty="0" smtClean="0">
+              <a:solidFill>
+                <a:srgbClr val="000000"/>
+              </a:solidFill>
+            </a:endParaRPr>
           </a:p>
           <a:p>
             <a:pPr marL="685800" indent="-685800">
@@ -8153,14 +8406,26 @@
               <a:buChar char="l"/>
             </a:pPr>
             <a:r>
-              <a:rPr kumimoji="1" lang="ja-JP" altLang="en-US" sz="4800" dirty="0"/>
+              <a:rPr kumimoji="1" lang="ja-JP" altLang="en-US" sz="4800" dirty="0">
+                <a:solidFill>
+                  <a:srgbClr val="000000"/>
+                </a:solidFill>
+              </a:rPr>
               <a:t>論文の執筆</a:t>
             </a:r>
             <a:r>
-              <a:rPr kumimoji="1" lang="ja-JP" altLang="en-US" sz="4800" dirty="0" smtClean="0"/>
+              <a:rPr kumimoji="1" lang="ja-JP" altLang="en-US" sz="4800" dirty="0" smtClean="0">
+                <a:solidFill>
+                  <a:srgbClr val="000000"/>
+                </a:solidFill>
+              </a:rPr>
               <a:t>を行う</a:t>
             </a:r>
-            <a:endParaRPr kumimoji="1" lang="ja-JP" altLang="en-US" sz="4800" dirty="0"/>
+            <a:endParaRPr kumimoji="1" lang="ja-JP" altLang="en-US" sz="4800" dirty="0">
+              <a:solidFill>
+                <a:srgbClr val="000000"/>
+              </a:solidFill>
+            </a:endParaRPr>
           </a:p>
         </p:txBody>
       </p:sp>
@@ -8172,7 +8437,7 @@
         </p:nvSpPr>
         <p:spPr>
           <a:xfrm>
-            <a:off x="11089232" y="17811974"/>
+            <a:off x="11089232" y="17900098"/>
             <a:ext cx="9767347" cy="1200329"/>
           </a:xfrm>
           <a:prstGeom prst="rect">
@@ -8187,13 +8452,89 @@
           <a:lstStyle/>
           <a:p>
             <a:r>
-              <a:rPr lang="ja-JP" altLang="en-US" sz="7200" u="sng" dirty="0" smtClean="0"/>
+              <a:rPr lang="ja-JP" altLang="en-US" sz="7200" u="sng" dirty="0" smtClean="0">
+                <a:solidFill>
+                  <a:srgbClr val="000000"/>
+                </a:solidFill>
+              </a:rPr>
               <a:t>現在の進捗状況</a:t>
             </a:r>
-            <a:endParaRPr kumimoji="1" lang="ja-JP" altLang="en-US" u="sng" dirty="0"/>
-          </a:p>
-        </p:txBody>
-      </p:sp>
+            <a:endParaRPr kumimoji="1" lang="ja-JP" altLang="en-US" u="sng" dirty="0">
+              <a:solidFill>
+                <a:srgbClr val="000000"/>
+              </a:solidFill>
+            </a:endParaRPr>
+          </a:p>
+        </p:txBody>
+      </p:sp>
+      <p:pic>
+        <p:nvPicPr>
+          <p:cNvPr id="28" name="図 27"/>
+          <p:cNvPicPr>
+            <a:picLocks noChangeAspect="1"/>
+          </p:cNvPicPr>
+          <p:nvPr/>
+        </p:nvPicPr>
+        <p:blipFill>
+          <a:blip r:embed="rId5">
+            <a:extLst>
+              <a:ext uri="{28A0092B-C50C-407E-A947-70E740481C1C}">
+                <a14:useLocalDpi xmlns:a14="http://schemas.microsoft.com/office/drawing/2010/main" val="0"/>
+              </a:ext>
+            </a:extLst>
+          </a:blip>
+          <a:stretch>
+            <a:fillRect/>
+          </a:stretch>
+        </p:blipFill>
+        <p:spPr>
+          <a:xfrm>
+            <a:off x="1368476" y="9293061"/>
+            <a:ext cx="3120916" cy="3963864"/>
+          </a:xfrm>
+          <a:prstGeom prst="rect">
+            <a:avLst/>
+          </a:prstGeom>
+        </p:spPr>
+      </p:pic>
+      <p:pic>
+        <p:nvPicPr>
+          <p:cNvPr id="29" name="図 28"/>
+          <p:cNvPicPr>
+            <a:picLocks noChangeAspect="1"/>
+          </p:cNvPicPr>
+          <p:nvPr/>
+        </p:nvPicPr>
+        <p:blipFill>
+          <a:blip r:embed="rId6">
+            <a:duotone>
+              <a:prstClr val="black"/>
+              <a:srgbClr val="000000">
+                <a:tint val="45000"/>
+                <a:satMod val="400000"/>
+              </a:srgbClr>
+            </a:duotone>
+            <a:extLst>
+              <a:ext uri="{28A0092B-C50C-407E-A947-70E740481C1C}">
+                <a14:useLocalDpi xmlns:a14="http://schemas.microsoft.com/office/drawing/2010/main" val="0"/>
+              </a:ext>
+            </a:extLst>
+          </a:blip>
+          <a:stretch>
+            <a:fillRect/>
+          </a:stretch>
+        </p:blipFill>
+        <p:spPr>
+          <a:xfrm flipH="1">
+            <a:off x="9680168" y="8432795"/>
+            <a:ext cx="3899614" cy="5318099"/>
+          </a:xfrm>
+          <a:prstGeom prst="rect">
+            <a:avLst/>
+          </a:prstGeom>
+          <a:noFill/>
+        </p:spPr>
+      </p:pic>
     </p:spTree>
     <p:extLst>
       <p:ext uri="{BB962C8B-B14F-4D97-AF65-F5344CB8AC3E}">

--- a/課題研究/2014/吉野 聡志/ポスター.pptx
+++ b/課題研究/2014/吉野 聡志/ポスター.pptx
@@ -8137,7 +8137,7 @@
                   <a:srgbClr val="000000"/>
                 </a:solidFill>
               </a:rPr>
-              <a:t>投稿をした</a:t>
+              <a:t>投稿をしたユーザの</a:t>
             </a:r>
             <a:r>
               <a:rPr lang="ja-JP" altLang="en-US" sz="4800" dirty="0" smtClean="0">
@@ -8145,15 +8145,22 @@
                   <a:srgbClr val="000000"/>
                 </a:solidFill>
               </a:rPr>
-              <a:t>ユーザのフォロワー数と　　プロジェクトの成否を規準変数として扱い決定木を作成，</a:t>
-            </a:r>
-            <a:r>
-              <a:rPr lang="ja-JP" altLang="en-US" sz="4800" dirty="0">
+              <a:t>フォロワー数の</a:t>
+            </a:r>
+            <a:endParaRPr lang="en-US" altLang="ja-JP" sz="4800" dirty="0" smtClean="0">
+              <a:solidFill>
+                <a:srgbClr val="000000"/>
+              </a:solidFill>
+            </a:endParaRPr>
+          </a:p>
+          <a:p>
+            <a:r>
+              <a:rPr lang="ja-JP" altLang="en-US" sz="4800" dirty="0" smtClean="0">
                 <a:solidFill>
                   <a:srgbClr val="000000"/>
                 </a:solidFill>
               </a:rPr>
-              <a:t>フォロワー</a:t>
+              <a:t>合計とプロジェクト</a:t>
             </a:r>
             <a:r>
               <a:rPr lang="ja-JP" altLang="en-US" sz="4800" dirty="0" smtClean="0">
@@ -8161,7 +8168,39 @@
                   <a:srgbClr val="000000"/>
                 </a:solidFill>
               </a:rPr>
-              <a:t>数に　よるクラウドファンディングが成功　する確率の変動を調査</a:t>
+              <a:t>の成否を規準変数として扱い決定木を作成，</a:t>
+            </a:r>
+            <a:r>
+              <a:rPr lang="ja-JP" altLang="en-US" sz="4800" dirty="0" smtClean="0">
+                <a:solidFill>
+                  <a:srgbClr val="000000"/>
+                </a:solidFill>
+              </a:rPr>
+              <a:t>フォロワー数の合計によるクラウドファンディング</a:t>
+            </a:r>
+            <a:r>
+              <a:rPr lang="ja-JP" altLang="en-US" sz="4800" dirty="0" smtClean="0">
+                <a:solidFill>
+                  <a:srgbClr val="000000"/>
+                </a:solidFill>
+              </a:rPr>
+              <a:t>が</a:t>
+            </a:r>
+            <a:r>
+              <a:rPr lang="ja-JP" altLang="en-US" sz="4800" dirty="0" smtClean="0">
+                <a:solidFill>
+                  <a:srgbClr val="000000"/>
+                </a:solidFill>
+              </a:rPr>
+              <a:t>成功する</a:t>
+            </a:r>
+            <a:r>
+              <a:rPr lang="ja-JP" altLang="en-US" sz="4800" dirty="0" smtClean="0">
+                <a:solidFill>
+                  <a:srgbClr val="000000"/>
+                </a:solidFill>
+              </a:rPr>
+              <a:t>確率の変動を調査</a:t>
             </a:r>
             <a:endParaRPr kumimoji="1" lang="ja-JP" altLang="en-US" sz="4800" dirty="0">
               <a:solidFill>
@@ -8179,7 +8218,7 @@
         </p:nvSpPr>
         <p:spPr>
           <a:xfrm>
-            <a:off x="11089232" y="22124763"/>
+            <a:off x="11089232" y="22796642"/>
             <a:ext cx="9767347" cy="1200329"/>
           </a:xfrm>
           <a:prstGeom prst="rect">
@@ -8234,7 +8273,7 @@
         <p:spPr>
           <a:xfrm>
             <a:off x="11089232" y="19312383"/>
-            <a:ext cx="10405368" cy="2308324"/>
+            <a:ext cx="10405368" cy="3046988"/>
           </a:xfrm>
           <a:prstGeom prst="rect">
             <a:avLst/>
@@ -8248,20 +8287,12 @@
           <a:lstStyle/>
           <a:p>
             <a:r>
-              <a:rPr lang="ja-JP" altLang="en-US" sz="4800" dirty="0">
+              <a:rPr lang="ja-JP" altLang="en-US" sz="4800" dirty="0" smtClean="0">
                 <a:solidFill>
                   <a:srgbClr val="000000"/>
                 </a:solidFill>
               </a:rPr>
-              <a:t>フォロワー</a:t>
-            </a:r>
-            <a:r>
-              <a:rPr lang="ja-JP" altLang="en-US" sz="4800" dirty="0" smtClean="0">
-                <a:solidFill>
-                  <a:srgbClr val="000000"/>
-                </a:solidFill>
-              </a:rPr>
-              <a:t>数に反比例して</a:t>
+              <a:t>フォロワー数の合計が増加すると</a:t>
             </a:r>
             <a:endParaRPr lang="en-US" altLang="ja-JP" sz="4800" dirty="0" smtClean="0">
               <a:solidFill>
@@ -8291,7 +8322,39 @@
                   <a:srgbClr val="000000"/>
                 </a:solidFill>
               </a:rPr>
-              <a:t>いるという結果が出た</a:t>
+              <a:t>いき，</a:t>
+            </a:r>
+            <a:r>
+              <a:rPr lang="en-US" altLang="ja-JP" sz="4800" dirty="0" smtClean="0">
+                <a:solidFill>
+                  <a:srgbClr val="000000"/>
+                </a:solidFill>
+              </a:rPr>
+              <a:t>2</a:t>
+            </a:r>
+            <a:r>
+              <a:rPr lang="ja-JP" altLang="en-US" sz="4800" dirty="0" err="1" smtClean="0">
+                <a:solidFill>
+                  <a:srgbClr val="000000"/>
+                </a:solidFill>
+              </a:rPr>
+              <a:t>つの</a:t>
+            </a:r>
+            <a:r>
+              <a:rPr lang="ja-JP" altLang="en-US" sz="4800" dirty="0" smtClean="0">
+                <a:solidFill>
+                  <a:srgbClr val="000000"/>
+                </a:solidFill>
+              </a:rPr>
+              <a:t>変数間には負の相関が　あるという結果</a:t>
+            </a:r>
+            <a:r>
+              <a:rPr lang="ja-JP" altLang="en-US" sz="4800" dirty="0" smtClean="0">
+                <a:solidFill>
+                  <a:srgbClr val="000000"/>
+                </a:solidFill>
+              </a:rPr>
+              <a:t>が出た</a:t>
             </a:r>
             <a:endParaRPr kumimoji="1" lang="ja-JP" altLang="en-US" sz="4800" dirty="0">
               <a:solidFill>
@@ -8309,8 +8372,8 @@
         </p:nvSpPr>
         <p:spPr>
           <a:xfrm>
-            <a:off x="11197456" y="23611952"/>
-            <a:ext cx="10369152" cy="6001643"/>
+            <a:off x="11197456" y="24357011"/>
+            <a:ext cx="10369152" cy="5262979"/>
           </a:xfrm>
           <a:prstGeom prst="rect">
             <a:avLst/>
@@ -8333,7 +8396,15 @@
                   <a:srgbClr val="000000"/>
                 </a:solidFill>
               </a:rPr>
-              <a:t>プロジェクトの数を増やしたり，他の分析手法も用いることでより信頼できるデータ作りを行う</a:t>
+              <a:t>プロジェクトの数を増やしたり，他の分析手法も</a:t>
+            </a:r>
+            <a:r>
+              <a:rPr kumimoji="1" lang="ja-JP" altLang="en-US" sz="4800" dirty="0" smtClean="0">
+                <a:solidFill>
+                  <a:srgbClr val="000000"/>
+                </a:solidFill>
+              </a:rPr>
+              <a:t>用いて分析を行う</a:t>
             </a:r>
             <a:endParaRPr kumimoji="1" lang="en-US" altLang="ja-JP" sz="4800" dirty="0" smtClean="0">
               <a:solidFill>
